--- a/slides/05 - Automation.pptx
+++ b/slides/05 - Automation.pptx
@@ -232,7 +232,7 @@
           <a:p>
             <a:fld id="{53D20FC1-34BC-144C-82AC-6F1B201A03F7}" type="datetimeFigureOut">
               <a:rPr lang="en-US" smtClean="0"/>
-              <a:t>3/29/23</a:t>
+              <a:t>3/30/23</a:t>
             </a:fld>
             <a:endParaRPr lang="en-US"/>
           </a:p>
@@ -778,6 +778,52 @@
           <a:bodyPr/>
           <a:lstStyle/>
           <a:p>
+            <a:pPr marL="0" marR="0" lvl="0" indent="0" algn="l" defTabSz="914400" rtl="0" eaLnBrk="1" fontAlgn="auto" latinLnBrk="0" hangingPunct="1">
+              <a:lnSpc>
+                <a:spcPct val="100000"/>
+              </a:lnSpc>
+              <a:spcBef>
+                <a:spcPts val="0"/>
+              </a:spcBef>
+              <a:spcAft>
+                <a:spcPts val="0"/>
+              </a:spcAft>
+              <a:buClrTx/>
+              <a:buSzTx/>
+              <a:buFontTx/>
+              <a:buNone/>
+              <a:tabLst/>
+              <a:defRPr/>
+            </a:pPr>
+            <a:r>
+              <a:rPr lang="en-US" sz="1200" dirty="0">
+                <a:solidFill>
+                  <a:schemeClr val="accent1"/>
+                </a:solidFill>
+                <a:latin typeface="Monaco" pitchFamily="2" charset="77"/>
+              </a:rPr>
+              <a:t># </a:t>
+            </a:r>
+            <a:r>
+              <a:rPr lang="en-US" sz="1200" dirty="0" err="1">
+                <a:solidFill>
+                  <a:schemeClr val="accent1"/>
+                </a:solidFill>
+                <a:latin typeface="Monaco" pitchFamily="2" charset="77"/>
+              </a:rPr>
+              <a:t>extended_types</a:t>
+            </a:r>
+            <a:r>
+              <a:rPr lang="en-US" sz="1200" dirty="0">
+                <a:solidFill>
+                  <a:schemeClr val="accent1"/>
+                </a:solidFill>
+                <a:latin typeface="Monaco" pitchFamily="2" charset="77"/>
+              </a:rPr>
+              <a:t> argument needed to format datetime fields</a:t>
+            </a:r>
+          </a:p>
+          <a:p>
             <a:endParaRPr lang="en-US" dirty="0"/>
           </a:p>
         </p:txBody>
@@ -864,7 +910,23 @@
           <a:p>
             <a:r>
               <a:rPr lang="en-US" dirty="0"/>
-              <a:t>Class will need to set up these directories in their file structure</a:t>
+              <a:t>Class will need to set up these directories in their file structure – </a:t>
+            </a:r>
+            <a:r>
+              <a:rPr lang="en-US" dirty="0" err="1"/>
+              <a:t>file_move</a:t>
+            </a:r>
+            <a:r>
+              <a:rPr lang="en-US" dirty="0"/>
+              <a:t> does not create directories – will get some </a:t>
+            </a:r>
+            <a:r>
+              <a:rPr lang="en-US" dirty="0" err="1"/>
+              <a:t>new_path</a:t>
+            </a:r>
+            <a:r>
+              <a:rPr lang="en-US" dirty="0"/>
+              <a:t> and path length don’t match</a:t>
             </a:r>
           </a:p>
         </p:txBody>
@@ -10386,7 +10448,7 @@
           <a:p>
             <a:fld id="{47A382C8-082F-7542-B6CA-81A405A6B1A6}" type="datetimeFigureOut">
               <a:rPr lang="en-US" smtClean="0"/>
-              <a:t>3/29/23</a:t>
+              <a:t>3/30/23</a:t>
             </a:fld>
             <a:endParaRPr lang="en-US"/>
           </a:p>
@@ -10593,7 +10655,7 @@
           <a:p>
             <a:fld id="{47A382C8-082F-7542-B6CA-81A405A6B1A6}" type="datetimeFigureOut">
               <a:rPr lang="en-US" smtClean="0"/>
-              <a:t>3/29/23</a:t>
+              <a:t>3/30/23</a:t>
             </a:fld>
             <a:endParaRPr lang="en-US"/>
           </a:p>
@@ -10773,7 +10835,7 @@
           <a:p>
             <a:fld id="{47A382C8-082F-7542-B6CA-81A405A6B1A6}" type="datetimeFigureOut">
               <a:rPr lang="en-US" smtClean="0"/>
-              <a:t>3/29/23</a:t>
+              <a:t>3/30/23</a:t>
             </a:fld>
             <a:endParaRPr lang="en-US"/>
           </a:p>
@@ -10993,7 +11055,7 @@
           <a:p>
             <a:fld id="{47A382C8-082F-7542-B6CA-81A405A6B1A6}" type="datetimeFigureOut">
               <a:rPr lang="en-US" smtClean="0"/>
-              <a:t>3/29/23</a:t>
+              <a:t>3/30/23</a:t>
             </a:fld>
             <a:endParaRPr lang="en-US"/>
           </a:p>
@@ -19891,7 +19953,7 @@
           <a:p>
             <a:fld id="{47A382C8-082F-7542-B6CA-81A405A6B1A6}" type="datetimeFigureOut">
               <a:rPr lang="en-US" smtClean="0"/>
-              <a:t>3/29/23</a:t>
+              <a:t>3/30/23</a:t>
             </a:fld>
             <a:endParaRPr lang="en-US"/>
           </a:p>
@@ -20165,7 +20227,7 @@
           <a:p>
             <a:fld id="{47A382C8-082F-7542-B6CA-81A405A6B1A6}" type="datetimeFigureOut">
               <a:rPr lang="en-US" smtClean="0"/>
-              <a:t>3/29/23</a:t>
+              <a:t>3/30/23</a:t>
             </a:fld>
             <a:endParaRPr lang="en-US"/>
           </a:p>
@@ -20563,7 +20625,7 @@
           <a:p>
             <a:fld id="{47A382C8-082F-7542-B6CA-81A405A6B1A6}" type="datetimeFigureOut">
               <a:rPr lang="en-US" smtClean="0"/>
-              <a:t>3/29/23</a:t>
+              <a:t>3/30/23</a:t>
             </a:fld>
             <a:endParaRPr lang="en-US"/>
           </a:p>
@@ -20681,7 +20743,7 @@
           <a:p>
             <a:fld id="{47A382C8-082F-7542-B6CA-81A405A6B1A6}" type="datetimeFigureOut">
               <a:rPr lang="en-US" smtClean="0"/>
-              <a:t>3/29/23</a:t>
+              <a:t>3/30/23</a:t>
             </a:fld>
             <a:endParaRPr lang="en-US"/>
           </a:p>
@@ -20776,7 +20838,7 @@
           <a:p>
             <a:fld id="{47A382C8-082F-7542-B6CA-81A405A6B1A6}" type="datetimeFigureOut">
               <a:rPr lang="en-US" smtClean="0"/>
-              <a:t>3/29/23</a:t>
+              <a:t>3/30/23</a:t>
             </a:fld>
             <a:endParaRPr lang="en-US"/>
           </a:p>
@@ -21066,7 +21128,7 @@
           <a:p>
             <a:fld id="{47A382C8-082F-7542-B6CA-81A405A6B1A6}" type="datetimeFigureOut">
               <a:rPr lang="en-US" smtClean="0"/>
-              <a:t>3/29/23</a:t>
+              <a:t>3/30/23</a:t>
             </a:fld>
             <a:endParaRPr lang="en-US"/>
           </a:p>
@@ -21346,7 +21408,7 @@
           <a:p>
             <a:fld id="{47A382C8-082F-7542-B6CA-81A405A6B1A6}" type="datetimeFigureOut">
               <a:rPr lang="en-US" smtClean="0"/>
-              <a:t>3/29/23</a:t>
+              <a:t>3/30/23</a:t>
             </a:fld>
             <a:endParaRPr lang="en-US"/>
           </a:p>
@@ -21596,7 +21658,7 @@
           <a:p>
             <a:fld id="{47A382C8-082F-7542-B6CA-81A405A6B1A6}" type="datetimeFigureOut">
               <a:rPr lang="en-US" smtClean="0"/>
-              <a:t>3/29/23</a:t>
+              <a:t>3/30/23</a:t>
             </a:fld>
             <a:endParaRPr lang="en-US"/>
           </a:p>
@@ -29429,7 +29491,7 @@
         </p:nvSpPr>
         <p:spPr>
           <a:xfrm>
-            <a:off x="1235964" y="2117800"/>
+            <a:off x="1235964" y="1996777"/>
             <a:ext cx="9720072" cy="3785652"/>
           </a:xfrm>
           <a:prstGeom prst="rect">
@@ -29509,7 +29571,19 @@
               <a:rPr lang="en-US" sz="2400" dirty="0">
                 <a:latin typeface="Monaco" pitchFamily="2" charset="77"/>
               </a:rPr>
-              <a:t>")</a:t>
+              <a:t>", </a:t>
+            </a:r>
+            <a:r>
+              <a:rPr lang="en-US" sz="2400" dirty="0" err="1">
+                <a:latin typeface="Monaco" pitchFamily="2" charset="77"/>
+              </a:rPr>
+              <a:t>extended_types</a:t>
+            </a:r>
+            <a:r>
+              <a:rPr lang="en-US" sz="2400" dirty="0">
+                <a:latin typeface="Monaco" pitchFamily="2" charset="77"/>
+              </a:rPr>
+              <a:t> = TRUE)</a:t>
             </a:r>
           </a:p>
           <a:p>

--- a/slides/05 - Automation.pptx
+++ b/slides/05 - Automation.pptx
@@ -25118,7 +25118,7 @@
             </a:r>
             <a:r>
               <a:rPr lang="en-US" sz="2800" dirty="0"/>
-              <a:t> to remove the job.</a:t>
+              <a:t> or provided script to remove the job.</a:t>
             </a:r>
           </a:p>
         </p:txBody>
@@ -26665,7 +26665,15 @@
             </a:r>
             <a:r>
               <a:rPr lang="en-US" dirty="0"/>
-              <a:t> to remove the job.</a:t>
+              <a:t> </a:t>
+            </a:r>
+            <a:r>
+              <a:rPr lang="en-US" sz="2400" dirty="0"/>
+              <a:t>or provided script </a:t>
+            </a:r>
+            <a:r>
+              <a:rPr lang="en-US" dirty="0"/>
+              <a:t>to remove the job.</a:t>
             </a:r>
           </a:p>
         </p:txBody>

--- a/slides/05 - Automation.pptx
+++ b/slides/05 - Automation.pptx
@@ -821,6 +821,34 @@
                 <a:latin typeface="Monaco" pitchFamily="2" charset="77"/>
               </a:rPr>
               <a:t> argument needed to format datetime fields</a:t>
+            </a:r>
+          </a:p>
+          <a:p>
+            <a:pPr marL="0" marR="0" lvl="0" indent="0" algn="l" defTabSz="914400" rtl="0" eaLnBrk="1" fontAlgn="auto" latinLnBrk="0" hangingPunct="1">
+              <a:lnSpc>
+                <a:spcPct val="100000"/>
+              </a:lnSpc>
+              <a:spcBef>
+                <a:spcPts val="0"/>
+              </a:spcBef>
+              <a:spcAft>
+                <a:spcPts val="0"/>
+              </a:spcAft>
+              <a:buClrTx/>
+              <a:buSzTx/>
+              <a:buFontTx/>
+              <a:buNone/>
+              <a:tabLst/>
+              <a:defRPr/>
+            </a:pPr>
+            <a:r>
+              <a:rPr lang="en-US" sz="1200" dirty="0">
+                <a:solidFill>
+                  <a:schemeClr val="accent1"/>
+                </a:solidFill>
+                <a:latin typeface="Monaco" pitchFamily="2" charset="77"/>
+              </a:rPr>
+              <a:t># make note about need for append or overwrite for recurring data writing of potentially same folders</a:t>
             </a:r>
           </a:p>
           <a:p>
